--- a/Presentations/Spectrum_Final Presentation.pptx
+++ b/Presentations/Spectrum_Final Presentation.pptx
@@ -18794,7 +18794,7 @@
               <a:buNone/>
             </a:pPr>
             <a:r>
-              <a:rPr lang="en" sz="2600">
+              <a:rPr lang="en" sz="2600" dirty="0">
                 <a:solidFill>
                   <a:schemeClr val="accent4"/>
                 </a:solidFill>
@@ -18805,67 +18805,9 @@
               </a:rPr>
               <a:t>Chat system</a:t>
             </a:r>
-            <a:endParaRPr sz="2600">
+            <a:endParaRPr sz="2600" dirty="0">
               <a:solidFill>
                 <a:schemeClr val="accent4"/>
-              </a:solidFill>
-              <a:latin typeface="Fira Sans Extra Condensed Medium"/>
-              <a:ea typeface="Fira Sans Extra Condensed Medium"/>
-              <a:cs typeface="Fira Sans Extra Condensed Medium"/>
-              <a:sym typeface="Fira Sans Extra Condensed Medium"/>
-            </a:endParaRPr>
-          </a:p>
-        </p:txBody>
-      </p:sp>
-      <p:sp>
-        <p:nvSpPr>
-          <p:cNvPr id="161" name="Google Shape;161;p18"/>
-          <p:cNvSpPr txBox="1"/>
-          <p:nvPr/>
-        </p:nvSpPr>
-        <p:spPr>
-          <a:xfrm>
-            <a:off x="6352525" y="2993263"/>
-            <a:ext cx="1129200" cy="429600"/>
-          </a:xfrm>
-          <a:prstGeom prst="rect">
-            <a:avLst/>
-          </a:prstGeom>
-          <a:noFill/>
-          <a:ln>
-            <a:noFill/>
-          </a:ln>
-        </p:spPr>
-        <p:txBody>
-          <a:bodyPr spcFirstLastPara="1" wrap="square" lIns="91425" tIns="91425" rIns="91425" bIns="91425" anchor="ctr" anchorCtr="0">
-            <a:noAutofit/>
-          </a:bodyPr>
-          <a:lstStyle/>
-          <a:p>
-            <a:pPr marL="0" lvl="0" indent="0" algn="r" rtl="0">
-              <a:spcBef>
-                <a:spcPts val="0"/>
-              </a:spcBef>
-              <a:spcAft>
-                <a:spcPts val="0"/>
-              </a:spcAft>
-              <a:buNone/>
-            </a:pPr>
-            <a:r>
-              <a:rPr lang="en" sz="2600">
-                <a:solidFill>
-                  <a:schemeClr val="accent3"/>
-                </a:solidFill>
-                <a:latin typeface="Fira Sans Extra Condensed Medium"/>
-                <a:ea typeface="Fira Sans Extra Condensed Medium"/>
-                <a:cs typeface="Fira Sans Extra Condensed Medium"/>
-                <a:sym typeface="Fira Sans Extra Condensed Medium"/>
-              </a:rPr>
-              <a:t>Report</a:t>
-            </a:r>
-            <a:endParaRPr sz="2600">
-              <a:solidFill>
-                <a:schemeClr val="accent3"/>
               </a:solidFill>
               <a:latin typeface="Fira Sans Extra Condensed Medium"/>
               <a:ea typeface="Fira Sans Extra Condensed Medium"/>
@@ -18884,9 +18826,9 @@
         <p:grpSpPr>
           <a:xfrm>
             <a:off x="3514681" y="1107568"/>
-            <a:ext cx="2933985" cy="3282933"/>
+            <a:ext cx="2969879" cy="3282932"/>
             <a:chOff x="3514681" y="1107568"/>
-            <a:chExt cx="2933985" cy="3282933"/>
+            <a:chExt cx="2969879" cy="3282932"/>
           </a:xfrm>
         </p:grpSpPr>
         <p:grpSp>
@@ -19419,128 +19361,7 @@
                 <a:buNone/>
               </a:pPr>
               <a:r>
-                <a:rPr lang="en" sz="1800">
-                  <a:solidFill>
-                    <a:srgbClr val="FFFFFF"/>
-                  </a:solidFill>
-                  <a:latin typeface="Fira Sans Extra Condensed Medium"/>
-                  <a:ea typeface="Fira Sans Extra Condensed Medium"/>
-                  <a:cs typeface="Fira Sans Extra Condensed Medium"/>
-                  <a:sym typeface="Fira Sans Extra Condensed Medium"/>
-                </a:rPr>
-                <a:t>04</a:t>
-              </a:r>
-              <a:endParaRPr sz="1500">
-                <a:solidFill>
-                  <a:srgbClr val="FFFFFF"/>
-                </a:solidFill>
-              </a:endParaRPr>
-            </a:p>
-          </p:txBody>
-        </p:sp>
-        <p:cxnSp>
-          <p:nvCxnSpPr>
-            <p:cNvPr id="171" name="Google Shape;171;p18"/>
-            <p:cNvCxnSpPr>
-              <a:endCxn id="161" idx="1"/>
-            </p:cNvCxnSpPr>
-            <p:nvPr/>
-          </p:nvCxnSpPr>
-          <p:spPr>
-            <a:xfrm>
-              <a:off x="5070625" y="3194863"/>
-              <a:ext cx="1281900" cy="13200"/>
-            </a:xfrm>
-            <a:prstGeom prst="straightConnector1">
-              <a:avLst/>
-            </a:prstGeom>
-            <a:noFill/>
-            <a:ln w="19050" cap="flat" cmpd="sng">
-              <a:solidFill>
-                <a:schemeClr val="accent3"/>
-              </a:solidFill>
-              <a:prstDash val="solid"/>
-              <a:round/>
-              <a:headEnd type="none" w="med" len="med"/>
-              <a:tailEnd type="oval" w="med" len="med"/>
-            </a:ln>
-          </p:spPr>
-        </p:cxnSp>
-        <p:sp>
-          <p:nvSpPr>
-            <p:cNvPr id="172" name="Google Shape;172;p18"/>
-            <p:cNvSpPr/>
-            <p:nvPr/>
-          </p:nvSpPr>
-          <p:spPr>
-            <a:xfrm>
-              <a:off x="4768391" y="3026968"/>
-              <a:ext cx="403709" cy="403744"/>
-            </a:xfrm>
-            <a:custGeom>
-              <a:avLst/>
-              <a:gdLst/>
-              <a:ahLst/>
-              <a:cxnLst/>
-              <a:rect l="l" t="t" r="r" b="b"/>
-              <a:pathLst>
-                <a:path w="14133" h="14133" extrusionOk="0">
-                  <a:moveTo>
-                    <a:pt x="7072" y="0"/>
-                  </a:moveTo>
-                  <a:cubicBezTo>
-                    <a:pt x="3167" y="0"/>
-                    <a:pt x="0" y="3167"/>
-                    <a:pt x="0" y="7060"/>
-                  </a:cubicBezTo>
-                  <a:cubicBezTo>
-                    <a:pt x="0" y="10966"/>
-                    <a:pt x="3167" y="14133"/>
-                    <a:pt x="7072" y="14133"/>
-                  </a:cubicBezTo>
-                  <a:cubicBezTo>
-                    <a:pt x="10978" y="14133"/>
-                    <a:pt x="14133" y="10966"/>
-                    <a:pt x="14133" y="7060"/>
-                  </a:cubicBezTo>
-                  <a:cubicBezTo>
-                    <a:pt x="14133" y="3167"/>
-                    <a:pt x="10978" y="0"/>
-                    <a:pt x="7072" y="0"/>
-                  </a:cubicBezTo>
-                  <a:close/>
-                </a:path>
-              </a:pathLst>
-            </a:custGeom>
-            <a:solidFill>
-              <a:schemeClr val="accent3"/>
-            </a:solidFill>
-            <a:ln>
-              <a:noFill/>
-            </a:ln>
-          </p:spPr>
-          <p:txBody>
-            <a:bodyPr spcFirstLastPara="1" wrap="square" lIns="91425" tIns="91425" rIns="91425" bIns="91425" anchor="ctr" anchorCtr="0">
-              <a:noAutofit/>
-            </a:bodyPr>
-            <a:lstStyle/>
-            <a:p>
-              <a:pPr marL="0" lvl="0" indent="0" algn="ctr" rtl="0">
-                <a:spcBef>
-                  <a:spcPts val="0"/>
-                </a:spcBef>
-                <a:spcAft>
-                  <a:spcPts val="0"/>
-                </a:spcAft>
-                <a:buClr>
-                  <a:schemeClr val="dk1"/>
-                </a:buClr>
-                <a:buSzPts val="1100"/>
-                <a:buFont typeface="Arial"/>
-                <a:buNone/>
-              </a:pPr>
-              <a:r>
-                <a:rPr lang="en" sz="1800">
+                <a:rPr lang="en" sz="1800" dirty="0">
                   <a:solidFill>
                     <a:srgbClr val="FFFFFF"/>
                   </a:solidFill>
@@ -19551,7 +19372,7 @@
                 </a:rPr>
                 <a:t>03</a:t>
               </a:r>
-              <a:endParaRPr sz="1500">
+              <a:endParaRPr sz="1500" dirty="0">
                 <a:solidFill>
                   <a:srgbClr val="FFFFFF"/>
                 </a:solidFill>
@@ -19567,7 +19388,7 @@
           </p:nvCxnSpPr>
           <p:spPr>
             <a:xfrm rot="10800000" flipH="1">
-              <a:off x="4974466" y="2263279"/>
+              <a:off x="5010360" y="2767848"/>
               <a:ext cx="1474200" cy="3900"/>
             </a:xfrm>
             <a:prstGeom prst="straightConnector1">
@@ -19593,7 +19414,7 @@
           </p:nvSpPr>
           <p:spPr>
             <a:xfrm>
-              <a:off x="4768394" y="2067181"/>
+              <a:off x="4804288" y="2571750"/>
               <a:ext cx="403702" cy="403738"/>
             </a:xfrm>
             <a:custGeom>
@@ -19687,7 +19508,7 @@
         </p:nvSpPr>
         <p:spPr>
           <a:xfrm>
-            <a:off x="6484702" y="2050413"/>
+            <a:off x="6438299" y="2537066"/>
             <a:ext cx="1200000" cy="429600"/>
           </a:xfrm>
           <a:prstGeom prst="rect">
@@ -19714,7 +19535,7 @@
               <a:buNone/>
             </a:pPr>
             <a:r>
-              <a:rPr lang="en" sz="2600">
+              <a:rPr lang="en" sz="2600" dirty="0">
                 <a:solidFill>
                   <a:schemeClr val="accent2"/>
                 </a:solidFill>
@@ -19725,7 +19546,7 @@
               </a:rPr>
               <a:t>Review</a:t>
             </a:r>
-            <a:endParaRPr sz="2600">
+            <a:endParaRPr sz="2600" dirty="0">
               <a:solidFill>
                 <a:schemeClr val="accent2"/>
               </a:solidFill>
@@ -31079,7 +30900,7 @@
                 <a:cs typeface="Roboto"/>
                 <a:sym typeface="Roboto"/>
               </a:rPr>
-              <a:t>Neptune is the farthest planet </a:t>
+              <a:t>Authentication, selling and add to cart</a:t>
             </a:r>
           </a:p>
         </p:txBody>
@@ -31191,7 +31012,7 @@
                 <a:cs typeface="Roboto"/>
                 <a:sym typeface="Roboto"/>
               </a:rPr>
-              <a:t>Venus has a beautiful name</a:t>
+              <a:t>Authentication, chat system and purchases</a:t>
             </a:r>
             <a:endParaRPr sz="1200" dirty="0">
               <a:solidFill>
@@ -31335,7 +31156,7 @@
                 <a:cs typeface="Roboto"/>
                 <a:sym typeface="Roboto"/>
               </a:rPr>
-              <a:t>Mars is a very cold place</a:t>
+              <a:t>Authenticatin, rontend of the whole project</a:t>
             </a:r>
             <a:endParaRPr sz="1200" dirty="0">
               <a:solidFill>
